--- a/docs/diagrams/ModelComponentClassDiagram.pptx
+++ b/docs/diagrams/ModelComponentClassDiagram.pptx
@@ -107,6 +107,22 @@
       </a:defRPr>
     </a:lvl9pPr>
   </p:defaultTextStyle>
+  <p:extLst>
+    <p:ext uri="{EFAFB233-063F-42B5-8137-9DF3F51BA10A}">
+      <p15:sldGuideLst xmlns:p15="http://schemas.microsoft.com/office/powerpoint/2012/main">
+        <p15:guide id="1" orient="horz" pos="1488">
+          <p15:clr>
+            <a:srgbClr val="A4A3A4"/>
+          </p15:clr>
+        </p15:guide>
+        <p15:guide id="2" pos="2880">
+          <p15:clr>
+            <a:srgbClr val="A4A3A4"/>
+          </p15:clr>
+        </p15:guide>
+      </p15:sldGuideLst>
+    </p:ext>
+  </p:extLst>
 </p:presentation>
 </file>
 
@@ -192,7 +208,7 @@
           <a:p>
             <a:fld id="{F5CC4B3F-88C1-4FFA-B1B6-F41C21DC6924}" type="datetimeFigureOut">
               <a:rPr lang="en-US" smtClean="0"/>
-              <a:t>11/19/2016</a:t>
+              <a:t>3/24/2017</a:t>
             </a:fld>
             <a:endParaRPr lang="en-US"/>
           </a:p>
@@ -641,7 +657,7 @@
           <a:p>
             <a:fld id="{78C97017-6FC3-485B-9764-EAC9E56C1D49}" type="datetimeFigureOut">
               <a:rPr lang="en-US" smtClean="0"/>
-              <a:t>11/19/2016</a:t>
+              <a:t>3/24/2017</a:t>
             </a:fld>
             <a:endParaRPr lang="en-US"/>
           </a:p>
@@ -811,7 +827,7 @@
           <a:p>
             <a:fld id="{78C97017-6FC3-485B-9764-EAC9E56C1D49}" type="datetimeFigureOut">
               <a:rPr lang="en-US" smtClean="0"/>
-              <a:t>11/19/2016</a:t>
+              <a:t>3/24/2017</a:t>
             </a:fld>
             <a:endParaRPr lang="en-US"/>
           </a:p>
@@ -991,7 +1007,7 @@
           <a:p>
             <a:fld id="{78C97017-6FC3-485B-9764-EAC9E56C1D49}" type="datetimeFigureOut">
               <a:rPr lang="en-US" smtClean="0"/>
-              <a:t>11/19/2016</a:t>
+              <a:t>3/24/2017</a:t>
             </a:fld>
             <a:endParaRPr lang="en-US"/>
           </a:p>
@@ -1161,7 +1177,7 @@
           <a:p>
             <a:fld id="{78C97017-6FC3-485B-9764-EAC9E56C1D49}" type="datetimeFigureOut">
               <a:rPr lang="en-US" smtClean="0"/>
-              <a:t>11/19/2016</a:t>
+              <a:t>3/24/2017</a:t>
             </a:fld>
             <a:endParaRPr lang="en-US"/>
           </a:p>
@@ -1407,7 +1423,7 @@
           <a:p>
             <a:fld id="{78C97017-6FC3-485B-9764-EAC9E56C1D49}" type="datetimeFigureOut">
               <a:rPr lang="en-US" smtClean="0"/>
-              <a:t>11/19/2016</a:t>
+              <a:t>3/24/2017</a:t>
             </a:fld>
             <a:endParaRPr lang="en-US"/>
           </a:p>
@@ -1695,7 +1711,7 @@
           <a:p>
             <a:fld id="{78C97017-6FC3-485B-9764-EAC9E56C1D49}" type="datetimeFigureOut">
               <a:rPr lang="en-US" smtClean="0"/>
-              <a:t>11/19/2016</a:t>
+              <a:t>3/24/2017</a:t>
             </a:fld>
             <a:endParaRPr lang="en-US"/>
           </a:p>
@@ -2117,7 +2133,7 @@
           <a:p>
             <a:fld id="{78C97017-6FC3-485B-9764-EAC9E56C1D49}" type="datetimeFigureOut">
               <a:rPr lang="en-US" smtClean="0"/>
-              <a:t>11/19/2016</a:t>
+              <a:t>3/24/2017</a:t>
             </a:fld>
             <a:endParaRPr lang="en-US"/>
           </a:p>
@@ -2235,7 +2251,7 @@
           <a:p>
             <a:fld id="{78C97017-6FC3-485B-9764-EAC9E56C1D49}" type="datetimeFigureOut">
               <a:rPr lang="en-US" smtClean="0"/>
-              <a:t>11/19/2016</a:t>
+              <a:t>3/24/2017</a:t>
             </a:fld>
             <a:endParaRPr lang="en-US"/>
           </a:p>
@@ -2330,7 +2346,7 @@
           <a:p>
             <a:fld id="{78C97017-6FC3-485B-9764-EAC9E56C1D49}" type="datetimeFigureOut">
               <a:rPr lang="en-US" smtClean="0"/>
-              <a:t>11/19/2016</a:t>
+              <a:t>3/24/2017</a:t>
             </a:fld>
             <a:endParaRPr lang="en-US"/>
           </a:p>
@@ -2607,7 +2623,7 @@
           <a:p>
             <a:fld id="{78C97017-6FC3-485B-9764-EAC9E56C1D49}" type="datetimeFigureOut">
               <a:rPr lang="en-US" smtClean="0"/>
-              <a:t>11/19/2016</a:t>
+              <a:t>3/24/2017</a:t>
             </a:fld>
             <a:endParaRPr lang="en-US"/>
           </a:p>
@@ -2860,7 +2876,7 @@
           <a:p>
             <a:fld id="{78C97017-6FC3-485B-9764-EAC9E56C1D49}" type="datetimeFigureOut">
               <a:rPr lang="en-US" smtClean="0"/>
-              <a:t>11/19/2016</a:t>
+              <a:t>3/24/2017</a:t>
             </a:fld>
             <a:endParaRPr lang="en-US"/>
           </a:p>
@@ -3073,7 +3089,7 @@
           <a:p>
             <a:fld id="{78C97017-6FC3-485B-9764-EAC9E56C1D49}" type="datetimeFigureOut">
               <a:rPr lang="en-US" smtClean="0"/>
-              <a:t>11/19/2016</a:t>
+              <a:t>3/24/2017</a:t>
             </a:fld>
             <a:endParaRPr lang="en-US"/>
           </a:p>
@@ -3457,7 +3473,7 @@
         <p:spPr>
           <a:xfrm>
             <a:off x="1119865" y="1727200"/>
-            <a:ext cx="7490735" cy="2997200"/>
+            <a:ext cx="7795535" cy="2997200"/>
           </a:xfrm>
           <a:prstGeom prst="roundRect">
             <a:avLst>
@@ -4096,7 +4112,7 @@
                   <a:srgbClr val="7030A0"/>
                 </a:solidFill>
               </a:rPr>
-              <a:t>AddressBook</a:t>
+              <a:t>TaskManager</a:t>
             </a:r>
             <a:endParaRPr lang="en-SG" sz="1050" dirty="0">
               <a:solidFill>
@@ -4238,7 +4254,7 @@
                   <a:srgbClr val="7030A0"/>
                 </a:solidFill>
               </a:rPr>
-              <a:t>UniquePersonList</a:t>
+              <a:t>UniqueTaskList</a:t>
             </a:r>
             <a:endParaRPr lang="en-SG" sz="1050" dirty="0">
               <a:solidFill>
@@ -4481,7 +4497,7 @@
                   <a:srgbClr val="7030A0"/>
                 </a:solidFill>
               </a:rPr>
-              <a:t>Person</a:t>
+              <a:t>Task</a:t>
             </a:r>
             <a:endParaRPr lang="en-SG" sz="1050" dirty="0">
               <a:solidFill>
@@ -4780,7 +4796,7 @@
                   <a:srgbClr val="7030A0"/>
                 </a:solidFill>
               </a:rPr>
-              <a:t>ReadOnlyPerson</a:t>
+              <a:t>ReadOnlyTask</a:t>
             </a:r>
             <a:endParaRPr lang="en-SG" sz="1050" dirty="0">
               <a:solidFill>
@@ -4798,8 +4814,8 @@
         </p:nvSpPr>
         <p:spPr>
           <a:xfrm>
-            <a:off x="7712397" y="2564238"/>
-            <a:ext cx="708186" cy="285783"/>
+            <a:off x="7658671" y="2265306"/>
+            <a:ext cx="977920" cy="281838"/>
           </a:xfrm>
           <a:prstGeom prst="rect">
             <a:avLst/>
@@ -4836,7 +4852,7 @@
                   <a:srgbClr val="7030A0"/>
                 </a:solidFill>
               </a:rPr>
-              <a:t>Name</a:t>
+              <a:t>Description</a:t>
             </a:r>
             <a:endParaRPr lang="en-SG" sz="1050" dirty="0">
               <a:solidFill>
@@ -4904,8 +4920,8 @@
         </p:nvCxnSpPr>
         <p:spPr>
           <a:xfrm flipV="1">
-            <a:off x="7277995" y="2707130"/>
-            <a:ext cx="434402" cy="327761"/>
+            <a:off x="7277995" y="2406225"/>
+            <a:ext cx="380676" cy="628666"/>
           </a:xfrm>
           <a:prstGeom prst="bentConnector3">
             <a:avLst/>
@@ -4942,8 +4958,8 @@
         </p:nvSpPr>
         <p:spPr>
           <a:xfrm>
-            <a:off x="7712397" y="2887216"/>
-            <a:ext cx="708186" cy="285783"/>
+            <a:off x="7658670" y="2550012"/>
+            <a:ext cx="977920" cy="323111"/>
           </a:xfrm>
           <a:prstGeom prst="rect">
             <a:avLst/>
@@ -4980,7 +4996,7 @@
                   <a:srgbClr val="7030A0"/>
                 </a:solidFill>
               </a:rPr>
-              <a:t>Phone</a:t>
+              <a:t>Priority</a:t>
             </a:r>
             <a:endParaRPr lang="en-SG" sz="1050" dirty="0">
               <a:solidFill>
@@ -5001,8 +5017,8 @@
         </p:nvCxnSpPr>
         <p:spPr>
           <a:xfrm flipV="1">
-            <a:off x="7277995" y="3030108"/>
-            <a:ext cx="434402" cy="4783"/>
+            <a:off x="7277995" y="2711568"/>
+            <a:ext cx="380675" cy="323323"/>
           </a:xfrm>
           <a:prstGeom prst="bentConnector3">
             <a:avLst/>
@@ -5039,8 +5055,8 @@
         </p:nvSpPr>
         <p:spPr>
           <a:xfrm>
-            <a:off x="7712397" y="3210194"/>
-            <a:ext cx="708186" cy="285783"/>
+            <a:off x="7659232" y="2875992"/>
+            <a:ext cx="977358" cy="301774"/>
           </a:xfrm>
           <a:prstGeom prst="rect">
             <a:avLst/>
@@ -5077,7 +5093,7 @@
                   <a:srgbClr val="7030A0"/>
                 </a:solidFill>
               </a:rPr>
-              <a:t>Email</a:t>
+              <a:t>ID</a:t>
             </a:r>
             <a:endParaRPr lang="en-SG" sz="1050" dirty="0">
               <a:solidFill>
@@ -5097,9 +5113,9 @@
           <p:nvPr/>
         </p:nvCxnSpPr>
         <p:spPr>
-          <a:xfrm>
-            <a:off x="7277995" y="3034891"/>
-            <a:ext cx="434402" cy="318195"/>
+          <a:xfrm flipV="1">
+            <a:off x="7277995" y="3026879"/>
+            <a:ext cx="381237" cy="8012"/>
           </a:xfrm>
           <a:prstGeom prst="bentConnector3">
             <a:avLst/>
@@ -5136,8 +5152,8 @@
         </p:nvSpPr>
         <p:spPr>
           <a:xfrm>
-            <a:off x="7712397" y="3533171"/>
-            <a:ext cx="708186" cy="285783"/>
+            <a:off x="7658449" y="3171033"/>
+            <a:ext cx="978141" cy="257967"/>
           </a:xfrm>
           <a:prstGeom prst="rect">
             <a:avLst/>
@@ -5169,12 +5185,12 @@
           <a:p>
             <a:pPr algn="ctr"/>
             <a:r>
-              <a:rPr lang="en-US" sz="1050" dirty="0" smtClean="0">
+              <a:rPr lang="en-US" sz="1050" dirty="0" err="1" smtClean="0">
                 <a:solidFill>
                   <a:srgbClr val="7030A0"/>
                 </a:solidFill>
               </a:rPr>
-              <a:t>Address</a:t>
+              <a:t>StartTime</a:t>
             </a:r>
             <a:endParaRPr lang="en-SG" sz="1050" dirty="0">
               <a:solidFill>
@@ -5196,7 +5212,7 @@
         <p:spPr>
           <a:xfrm>
             <a:off x="7277995" y="3034891"/>
-            <a:ext cx="434402" cy="641172"/>
+            <a:ext cx="380454" cy="265126"/>
           </a:xfrm>
           <a:prstGeom prst="bentConnector3">
             <a:avLst/>
@@ -5377,7 +5393,7 @@
                   <a:srgbClr val="7030A0"/>
                 </a:solidFill>
               </a:rPr>
-              <a:t>ReadOnlyAddressBook</a:t>
+              <a:t>ReadOnlyTaskManager</a:t>
             </a:r>
             <a:endParaRPr lang="en-SG" sz="1050" dirty="0">
               <a:solidFill>
@@ -5900,6 +5916,480 @@
           </a:p>
         </p:txBody>
       </p:sp>
+      <p:sp>
+        <p:nvSpPr>
+          <p:cNvPr id="82" name="Rectangle 8"/>
+          <p:cNvSpPr/>
+          <p:nvPr/>
+        </p:nvSpPr>
+        <p:spPr>
+          <a:xfrm>
+            <a:off x="7663983" y="3443355"/>
+            <a:ext cx="972607" cy="280685"/>
+          </a:xfrm>
+          <a:prstGeom prst="rect">
+            <a:avLst/>
+          </a:prstGeom>
+          <a:ln w="19050">
+            <a:solidFill>
+              <a:srgbClr val="7030A0"/>
+            </a:solidFill>
+          </a:ln>
+          <a:effectLst/>
+        </p:spPr>
+        <p:style>
+          <a:lnRef idx="1">
+            <a:schemeClr val="accent4"/>
+          </a:lnRef>
+          <a:fillRef idx="2">
+            <a:schemeClr val="accent4"/>
+          </a:fillRef>
+          <a:effectRef idx="1">
+            <a:schemeClr val="accent4"/>
+          </a:effectRef>
+          <a:fontRef idx="minor">
+            <a:schemeClr val="dk1"/>
+          </a:fontRef>
+        </p:style>
+        <p:txBody>
+          <a:bodyPr rtlCol="0" anchor="ctr"/>
+          <a:lstStyle/>
+          <a:p>
+            <a:pPr algn="ctr"/>
+            <a:r>
+              <a:rPr lang="en-US" sz="1050" dirty="0" err="1" smtClean="0">
+                <a:solidFill>
+                  <a:srgbClr val="7030A0"/>
+                </a:solidFill>
+              </a:rPr>
+              <a:t>EndTime</a:t>
+            </a:r>
+            <a:endParaRPr lang="en-SG" sz="1050" dirty="0">
+              <a:solidFill>
+                <a:srgbClr val="7030A0"/>
+              </a:solidFill>
+            </a:endParaRPr>
+          </a:p>
+        </p:txBody>
+      </p:sp>
+      <p:sp>
+        <p:nvSpPr>
+          <p:cNvPr id="87" name="Rectangle 8"/>
+          <p:cNvSpPr/>
+          <p:nvPr/>
+        </p:nvSpPr>
+        <p:spPr>
+          <a:xfrm>
+            <a:off x="7663983" y="3741648"/>
+            <a:ext cx="972607" cy="285300"/>
+          </a:xfrm>
+          <a:prstGeom prst="rect">
+            <a:avLst/>
+          </a:prstGeom>
+          <a:ln w="19050">
+            <a:solidFill>
+              <a:srgbClr val="7030A0"/>
+            </a:solidFill>
+          </a:ln>
+          <a:effectLst/>
+        </p:spPr>
+        <p:style>
+          <a:lnRef idx="1">
+            <a:schemeClr val="accent4"/>
+          </a:lnRef>
+          <a:fillRef idx="2">
+            <a:schemeClr val="accent4"/>
+          </a:fillRef>
+          <a:effectRef idx="1">
+            <a:schemeClr val="accent4"/>
+          </a:effectRef>
+          <a:fontRef idx="minor">
+            <a:schemeClr val="dk1"/>
+          </a:fontRef>
+        </p:style>
+        <p:txBody>
+          <a:bodyPr rtlCol="0" anchor="ctr"/>
+          <a:lstStyle/>
+          <a:p>
+            <a:pPr algn="ctr"/>
+            <a:r>
+              <a:rPr lang="en-US" sz="1050" dirty="0" smtClean="0">
+                <a:solidFill>
+                  <a:srgbClr val="7030A0"/>
+                </a:solidFill>
+              </a:rPr>
+              <a:t>Status</a:t>
+            </a:r>
+            <a:endParaRPr lang="en-SG" sz="1050" dirty="0">
+              <a:solidFill>
+                <a:srgbClr val="7030A0"/>
+              </a:solidFill>
+            </a:endParaRPr>
+          </a:p>
+        </p:txBody>
+      </p:sp>
+      <p:sp>
+        <p:nvSpPr>
+          <p:cNvPr id="88" name="Rectangle 8"/>
+          <p:cNvSpPr/>
+          <p:nvPr/>
+        </p:nvSpPr>
+        <p:spPr>
+          <a:xfrm>
+            <a:off x="7661476" y="4044556"/>
+            <a:ext cx="975114" cy="298844"/>
+          </a:xfrm>
+          <a:prstGeom prst="rect">
+            <a:avLst/>
+          </a:prstGeom>
+          <a:ln w="19050">
+            <a:solidFill>
+              <a:srgbClr val="7030A0"/>
+            </a:solidFill>
+          </a:ln>
+          <a:effectLst/>
+        </p:spPr>
+        <p:style>
+          <a:lnRef idx="1">
+            <a:schemeClr val="accent4"/>
+          </a:lnRef>
+          <a:fillRef idx="2">
+            <a:schemeClr val="accent4"/>
+          </a:fillRef>
+          <a:effectRef idx="1">
+            <a:schemeClr val="accent4"/>
+          </a:effectRef>
+          <a:fontRef idx="minor">
+            <a:schemeClr val="dk1"/>
+          </a:fontRef>
+        </p:style>
+        <p:txBody>
+          <a:bodyPr rtlCol="0" anchor="ctr"/>
+          <a:lstStyle/>
+          <a:p>
+            <a:pPr algn="ctr"/>
+            <a:r>
+              <a:rPr lang="en-US" sz="1050" dirty="0" err="1" smtClean="0">
+                <a:solidFill>
+                  <a:srgbClr val="7030A0"/>
+                </a:solidFill>
+              </a:rPr>
+              <a:t>RecurPeriod</a:t>
+            </a:r>
+            <a:endParaRPr lang="en-SG" sz="1050" dirty="0">
+              <a:solidFill>
+                <a:srgbClr val="7030A0"/>
+              </a:solidFill>
+            </a:endParaRPr>
+          </a:p>
+        </p:txBody>
+      </p:sp>
+      <p:sp>
+        <p:nvSpPr>
+          <p:cNvPr id="89" name="Rectangle 8"/>
+          <p:cNvSpPr/>
+          <p:nvPr/>
+        </p:nvSpPr>
+        <p:spPr>
+          <a:xfrm>
+            <a:off x="7654785" y="4356338"/>
+            <a:ext cx="981805" cy="286165"/>
+          </a:xfrm>
+          <a:prstGeom prst="rect">
+            <a:avLst/>
+          </a:prstGeom>
+          <a:ln w="19050">
+            <a:solidFill>
+              <a:srgbClr val="7030A0"/>
+            </a:solidFill>
+          </a:ln>
+          <a:effectLst/>
+        </p:spPr>
+        <p:style>
+          <a:lnRef idx="1">
+            <a:schemeClr val="accent4"/>
+          </a:lnRef>
+          <a:fillRef idx="2">
+            <a:schemeClr val="accent4"/>
+          </a:fillRef>
+          <a:effectRef idx="1">
+            <a:schemeClr val="accent4"/>
+          </a:effectRef>
+          <a:fontRef idx="minor">
+            <a:schemeClr val="dk1"/>
+          </a:fontRef>
+        </p:style>
+        <p:txBody>
+          <a:bodyPr rtlCol="0" anchor="ctr"/>
+          <a:lstStyle/>
+          <a:p>
+            <a:pPr algn="ctr"/>
+            <a:r>
+              <a:rPr lang="en-US" sz="1050" dirty="0" err="1" smtClean="0">
+                <a:solidFill>
+                  <a:srgbClr val="7030A0"/>
+                </a:solidFill>
+              </a:rPr>
+              <a:t>RecurEndDate</a:t>
+            </a:r>
+            <a:endParaRPr lang="en-SG" sz="1050" dirty="0">
+              <a:solidFill>
+                <a:srgbClr val="7030A0"/>
+              </a:solidFill>
+            </a:endParaRPr>
+          </a:p>
+        </p:txBody>
+      </p:sp>
+      <p:sp>
+        <p:nvSpPr>
+          <p:cNvPr id="90" name="Rectangle 8"/>
+          <p:cNvSpPr/>
+          <p:nvPr/>
+        </p:nvSpPr>
+        <p:spPr>
+          <a:xfrm>
+            <a:off x="7658671" y="1969085"/>
+            <a:ext cx="977920" cy="294113"/>
+          </a:xfrm>
+          <a:prstGeom prst="rect">
+            <a:avLst/>
+          </a:prstGeom>
+          <a:ln w="19050">
+            <a:solidFill>
+              <a:srgbClr val="7030A0"/>
+            </a:solidFill>
+          </a:ln>
+          <a:effectLst/>
+        </p:spPr>
+        <p:style>
+          <a:lnRef idx="1">
+            <a:schemeClr val="accent4"/>
+          </a:lnRef>
+          <a:fillRef idx="2">
+            <a:schemeClr val="accent4"/>
+          </a:fillRef>
+          <a:effectRef idx="1">
+            <a:schemeClr val="accent4"/>
+          </a:effectRef>
+          <a:fontRef idx="minor">
+            <a:schemeClr val="dk1"/>
+          </a:fontRef>
+        </p:style>
+        <p:txBody>
+          <a:bodyPr rtlCol="0" anchor="ctr"/>
+          <a:lstStyle/>
+          <a:p>
+            <a:pPr algn="ctr"/>
+            <a:r>
+              <a:rPr lang="en-US" sz="1050" dirty="0" smtClean="0">
+                <a:solidFill>
+                  <a:srgbClr val="7030A0"/>
+                </a:solidFill>
+              </a:rPr>
+              <a:t>Name</a:t>
+            </a:r>
+            <a:endParaRPr lang="en-SG" sz="1050" dirty="0">
+              <a:solidFill>
+                <a:srgbClr val="7030A0"/>
+              </a:solidFill>
+            </a:endParaRPr>
+          </a:p>
+        </p:txBody>
+      </p:sp>
+      <p:cxnSp>
+        <p:nvCxnSpPr>
+          <p:cNvPr id="91" name="Elbow Connector 90"/>
+          <p:cNvCxnSpPr>
+            <a:endCxn id="82" idx="1"/>
+          </p:cNvCxnSpPr>
+          <p:nvPr/>
+        </p:nvCxnSpPr>
+        <p:spPr>
+          <a:xfrm rot="16200000" flipH="1">
+            <a:off x="7295260" y="3214975"/>
+            <a:ext cx="541684" cy="195761"/>
+          </a:xfrm>
+          <a:prstGeom prst="bentConnector2">
+            <a:avLst/>
+          </a:prstGeom>
+          <a:ln w="19050">
+            <a:solidFill>
+              <a:srgbClr val="7030A0"/>
+            </a:solidFill>
+            <a:headEnd type="none" w="med" len="med"/>
+            <a:tailEnd type="arrow" w="med" len="med"/>
+          </a:ln>
+          <a:effectLst/>
+        </p:spPr>
+        <p:style>
+          <a:lnRef idx="1">
+            <a:schemeClr val="accent2"/>
+          </a:lnRef>
+          <a:fillRef idx="2">
+            <a:schemeClr val="accent2"/>
+          </a:fillRef>
+          <a:effectRef idx="1">
+            <a:schemeClr val="accent2"/>
+          </a:effectRef>
+          <a:fontRef idx="minor">
+            <a:schemeClr val="dk1"/>
+          </a:fontRef>
+        </p:style>
+      </p:cxnSp>
+      <p:cxnSp>
+        <p:nvCxnSpPr>
+          <p:cNvPr id="92" name="Elbow Connector 91"/>
+          <p:cNvCxnSpPr/>
+          <p:nvPr/>
+        </p:nvCxnSpPr>
+        <p:spPr>
+          <a:xfrm rot="16200000" flipH="1">
+            <a:off x="7295260" y="3540744"/>
+            <a:ext cx="541684" cy="195761"/>
+          </a:xfrm>
+          <a:prstGeom prst="bentConnector2">
+            <a:avLst/>
+          </a:prstGeom>
+          <a:ln w="19050">
+            <a:solidFill>
+              <a:srgbClr val="7030A0"/>
+            </a:solidFill>
+            <a:headEnd type="none" w="med" len="med"/>
+            <a:tailEnd type="arrow" w="med" len="med"/>
+          </a:ln>
+          <a:effectLst/>
+        </p:spPr>
+        <p:style>
+          <a:lnRef idx="1">
+            <a:schemeClr val="accent2"/>
+          </a:lnRef>
+          <a:fillRef idx="2">
+            <a:schemeClr val="accent2"/>
+          </a:fillRef>
+          <a:effectRef idx="1">
+            <a:schemeClr val="accent2"/>
+          </a:effectRef>
+          <a:fontRef idx="minor">
+            <a:schemeClr val="dk1"/>
+          </a:fontRef>
+        </p:style>
+      </p:cxnSp>
+      <p:cxnSp>
+        <p:nvCxnSpPr>
+          <p:cNvPr id="93" name="Elbow Connector 92"/>
+          <p:cNvCxnSpPr/>
+          <p:nvPr/>
+        </p:nvCxnSpPr>
+        <p:spPr>
+          <a:xfrm rot="16200000" flipH="1">
+            <a:off x="7295260" y="3826458"/>
+            <a:ext cx="541684" cy="195761"/>
+          </a:xfrm>
+          <a:prstGeom prst="bentConnector2">
+            <a:avLst/>
+          </a:prstGeom>
+          <a:ln w="19050">
+            <a:solidFill>
+              <a:srgbClr val="7030A0"/>
+            </a:solidFill>
+            <a:headEnd type="none" w="med" len="med"/>
+            <a:tailEnd type="arrow" w="med" len="med"/>
+          </a:ln>
+          <a:effectLst/>
+        </p:spPr>
+        <p:style>
+          <a:lnRef idx="1">
+            <a:schemeClr val="accent2"/>
+          </a:lnRef>
+          <a:fillRef idx="2">
+            <a:schemeClr val="accent2"/>
+          </a:fillRef>
+          <a:effectRef idx="1">
+            <a:schemeClr val="accent2"/>
+          </a:effectRef>
+          <a:fontRef idx="minor">
+            <a:schemeClr val="dk1"/>
+          </a:fontRef>
+        </p:style>
+      </p:cxnSp>
+      <p:cxnSp>
+        <p:nvCxnSpPr>
+          <p:cNvPr id="94" name="Elbow Connector 93"/>
+          <p:cNvCxnSpPr/>
+          <p:nvPr/>
+        </p:nvCxnSpPr>
+        <p:spPr>
+          <a:xfrm rot="16200000" flipH="1">
+            <a:off x="7295260" y="4091402"/>
+            <a:ext cx="541684" cy="195761"/>
+          </a:xfrm>
+          <a:prstGeom prst="bentConnector2">
+            <a:avLst/>
+          </a:prstGeom>
+          <a:ln w="19050">
+            <a:solidFill>
+              <a:srgbClr val="7030A0"/>
+            </a:solidFill>
+            <a:headEnd type="none" w="med" len="med"/>
+            <a:tailEnd type="arrow" w="med" len="med"/>
+          </a:ln>
+          <a:effectLst/>
+        </p:spPr>
+        <p:style>
+          <a:lnRef idx="1">
+            <a:schemeClr val="accent2"/>
+          </a:lnRef>
+          <a:fillRef idx="2">
+            <a:schemeClr val="accent2"/>
+          </a:fillRef>
+          <a:effectRef idx="1">
+            <a:schemeClr val="accent2"/>
+          </a:effectRef>
+          <a:fontRef idx="minor">
+            <a:schemeClr val="dk1"/>
+          </a:fontRef>
+        </p:style>
+      </p:cxnSp>
+      <p:cxnSp>
+        <p:nvCxnSpPr>
+          <p:cNvPr id="95" name="Elbow Connector 94"/>
+          <p:cNvCxnSpPr>
+            <a:endCxn id="90" idx="1"/>
+          </p:cNvCxnSpPr>
+          <p:nvPr/>
+        </p:nvCxnSpPr>
+        <p:spPr>
+          <a:xfrm rot="5400000" flipH="1" flipV="1">
+            <a:off x="7326860" y="2257506"/>
+            <a:ext cx="473175" cy="190448"/>
+          </a:xfrm>
+          <a:prstGeom prst="bentConnector2">
+            <a:avLst/>
+          </a:prstGeom>
+          <a:ln w="19050">
+            <a:solidFill>
+              <a:srgbClr val="7030A0"/>
+            </a:solidFill>
+            <a:headEnd type="none" w="med" len="med"/>
+            <a:tailEnd type="arrow" w="med" len="med"/>
+          </a:ln>
+          <a:effectLst/>
+        </p:spPr>
+        <p:style>
+          <a:lnRef idx="1">
+            <a:schemeClr val="accent2"/>
+          </a:lnRef>
+          <a:fillRef idx="2">
+            <a:schemeClr val="accent2"/>
+          </a:fillRef>
+          <a:effectRef idx="1">
+            <a:schemeClr val="accent2"/>
+          </a:effectRef>
+          <a:fontRef idx="minor">
+            <a:schemeClr val="dk1"/>
+          </a:fontRef>
+        </p:style>
+      </p:cxnSp>
     </p:spTree>
     <p:extLst>
       <p:ext uri="{BB962C8B-B14F-4D97-AF65-F5344CB8AC3E}">

--- a/docs/diagrams/ModelComponentClassDiagram.pptx
+++ b/docs/diagrams/ModelComponentClassDiagram.pptx
@@ -107,6 +107,22 @@
       </a:defRPr>
     </a:lvl9pPr>
   </p:defaultTextStyle>
+  <p:extLst>
+    <p:ext uri="{EFAFB233-063F-42B5-8137-9DF3F51BA10A}">
+      <p15:sldGuideLst xmlns:p15="http://schemas.microsoft.com/office/powerpoint/2012/main">
+        <p15:guide id="1" orient="horz" pos="1488">
+          <p15:clr>
+            <a:srgbClr val="A4A3A4"/>
+          </p15:clr>
+        </p15:guide>
+        <p15:guide id="2" pos="2880">
+          <p15:clr>
+            <a:srgbClr val="A4A3A4"/>
+          </p15:clr>
+        </p15:guide>
+      </p15:sldGuideLst>
+    </p:ext>
+  </p:extLst>
 </p:presentation>
 </file>
 
@@ -192,7 +208,7 @@
           <a:p>
             <a:fld id="{F5CC4B3F-88C1-4FFA-B1B6-F41C21DC6924}" type="datetimeFigureOut">
               <a:rPr lang="en-US" smtClean="0"/>
-              <a:t>11/19/2016</a:t>
+              <a:t>3/24/2017</a:t>
             </a:fld>
             <a:endParaRPr lang="en-US"/>
           </a:p>
@@ -641,7 +657,7 @@
           <a:p>
             <a:fld id="{78C97017-6FC3-485B-9764-EAC9E56C1D49}" type="datetimeFigureOut">
               <a:rPr lang="en-US" smtClean="0"/>
-              <a:t>11/19/2016</a:t>
+              <a:t>3/24/2017</a:t>
             </a:fld>
             <a:endParaRPr lang="en-US"/>
           </a:p>
@@ -811,7 +827,7 @@
           <a:p>
             <a:fld id="{78C97017-6FC3-485B-9764-EAC9E56C1D49}" type="datetimeFigureOut">
               <a:rPr lang="en-US" smtClean="0"/>
-              <a:t>11/19/2016</a:t>
+              <a:t>3/24/2017</a:t>
             </a:fld>
             <a:endParaRPr lang="en-US"/>
           </a:p>
@@ -991,7 +1007,7 @@
           <a:p>
             <a:fld id="{78C97017-6FC3-485B-9764-EAC9E56C1D49}" type="datetimeFigureOut">
               <a:rPr lang="en-US" smtClean="0"/>
-              <a:t>11/19/2016</a:t>
+              <a:t>3/24/2017</a:t>
             </a:fld>
             <a:endParaRPr lang="en-US"/>
           </a:p>
@@ -1161,7 +1177,7 @@
           <a:p>
             <a:fld id="{78C97017-6FC3-485B-9764-EAC9E56C1D49}" type="datetimeFigureOut">
               <a:rPr lang="en-US" smtClean="0"/>
-              <a:t>11/19/2016</a:t>
+              <a:t>3/24/2017</a:t>
             </a:fld>
             <a:endParaRPr lang="en-US"/>
           </a:p>
@@ -1407,7 +1423,7 @@
           <a:p>
             <a:fld id="{78C97017-6FC3-485B-9764-EAC9E56C1D49}" type="datetimeFigureOut">
               <a:rPr lang="en-US" smtClean="0"/>
-              <a:t>11/19/2016</a:t>
+              <a:t>3/24/2017</a:t>
             </a:fld>
             <a:endParaRPr lang="en-US"/>
           </a:p>
@@ -1695,7 +1711,7 @@
           <a:p>
             <a:fld id="{78C97017-6FC3-485B-9764-EAC9E56C1D49}" type="datetimeFigureOut">
               <a:rPr lang="en-US" smtClean="0"/>
-              <a:t>11/19/2016</a:t>
+              <a:t>3/24/2017</a:t>
             </a:fld>
             <a:endParaRPr lang="en-US"/>
           </a:p>
@@ -2117,7 +2133,7 @@
           <a:p>
             <a:fld id="{78C97017-6FC3-485B-9764-EAC9E56C1D49}" type="datetimeFigureOut">
               <a:rPr lang="en-US" smtClean="0"/>
-              <a:t>11/19/2016</a:t>
+              <a:t>3/24/2017</a:t>
             </a:fld>
             <a:endParaRPr lang="en-US"/>
           </a:p>
@@ -2235,7 +2251,7 @@
           <a:p>
             <a:fld id="{78C97017-6FC3-485B-9764-EAC9E56C1D49}" type="datetimeFigureOut">
               <a:rPr lang="en-US" smtClean="0"/>
-              <a:t>11/19/2016</a:t>
+              <a:t>3/24/2017</a:t>
             </a:fld>
             <a:endParaRPr lang="en-US"/>
           </a:p>
@@ -2330,7 +2346,7 @@
           <a:p>
             <a:fld id="{78C97017-6FC3-485B-9764-EAC9E56C1D49}" type="datetimeFigureOut">
               <a:rPr lang="en-US" smtClean="0"/>
-              <a:t>11/19/2016</a:t>
+              <a:t>3/24/2017</a:t>
             </a:fld>
             <a:endParaRPr lang="en-US"/>
           </a:p>
@@ -2607,7 +2623,7 @@
           <a:p>
             <a:fld id="{78C97017-6FC3-485B-9764-EAC9E56C1D49}" type="datetimeFigureOut">
               <a:rPr lang="en-US" smtClean="0"/>
-              <a:t>11/19/2016</a:t>
+              <a:t>3/24/2017</a:t>
             </a:fld>
             <a:endParaRPr lang="en-US"/>
           </a:p>
@@ -2860,7 +2876,7 @@
           <a:p>
             <a:fld id="{78C97017-6FC3-485B-9764-EAC9E56C1D49}" type="datetimeFigureOut">
               <a:rPr lang="en-US" smtClean="0"/>
-              <a:t>11/19/2016</a:t>
+              <a:t>3/24/2017</a:t>
             </a:fld>
             <a:endParaRPr lang="en-US"/>
           </a:p>
@@ -3073,7 +3089,7 @@
           <a:p>
             <a:fld id="{78C97017-6FC3-485B-9764-EAC9E56C1D49}" type="datetimeFigureOut">
               <a:rPr lang="en-US" smtClean="0"/>
-              <a:t>11/19/2016</a:t>
+              <a:t>3/24/2017</a:t>
             </a:fld>
             <a:endParaRPr lang="en-US"/>
           </a:p>
@@ -3456,8 +3472,8 @@
         </p:nvSpPr>
         <p:spPr>
           <a:xfrm>
-            <a:off x="1119865" y="1727200"/>
-            <a:ext cx="7490735" cy="2997200"/>
+            <a:off x="609600" y="1600200"/>
+            <a:ext cx="8001000" cy="3200400"/>
           </a:xfrm>
           <a:prstGeom prst="roundRect">
             <a:avLst>
@@ -3509,15 +3525,58 @@
           </a:p>
         </p:txBody>
       </p:sp>
-      <p:sp>
-        <p:nvSpPr>
-          <p:cNvPr id="2" name="Rectangle 8"/>
+      <p:cxnSp>
+        <p:nvCxnSpPr>
+          <p:cNvPr id="75" name="Elbow Connector 122"/>
+          <p:cNvCxnSpPr/>
+          <p:nvPr/>
+        </p:nvCxnSpPr>
+        <p:spPr>
+          <a:xfrm>
+            <a:off x="529091" y="3040053"/>
+            <a:ext cx="419548" cy="2860"/>
+          </a:xfrm>
+          <a:prstGeom prst="bentConnector3">
+            <a:avLst>
+              <a:gd name="adj1" fmla="val 50000"/>
+            </a:avLst>
+          </a:prstGeom>
+          <a:ln w="19050">
+            <a:solidFill>
+              <a:schemeClr val="bg1">
+                <a:lumMod val="75000"/>
+              </a:schemeClr>
+            </a:solidFill>
+            <a:prstDash val="sysDot"/>
+            <a:headEnd type="none" w="med" len="med"/>
+            <a:tailEnd type="arrow" w="med" len="med"/>
+          </a:ln>
+          <a:effectLst/>
+        </p:spPr>
+        <p:style>
+          <a:lnRef idx="1">
+            <a:schemeClr val="accent2"/>
+          </a:lnRef>
+          <a:fillRef idx="2">
+            <a:schemeClr val="accent2"/>
+          </a:fillRef>
+          <a:effectRef idx="1">
+            <a:schemeClr val="accent2"/>
+          </a:effectRef>
+          <a:fontRef idx="minor">
+            <a:schemeClr val="dk1"/>
+          </a:fontRef>
+        </p:style>
+      </p:cxnSp>
+      <p:sp>
+        <p:nvSpPr>
+          <p:cNvPr id="151" name="Rectangle 8"/>
           <p:cNvSpPr/>
           <p:nvPr/>
         </p:nvSpPr>
         <p:spPr>
           <a:xfrm>
-            <a:off x="2877180" y="3158440"/>
+            <a:off x="2496180" y="3158440"/>
             <a:ext cx="1093635" cy="346760"/>
           </a:xfrm>
           <a:prstGeom prst="rect">
@@ -3570,13 +3629,13 @@
       </p:sp>
       <p:sp>
         <p:nvSpPr>
-          <p:cNvPr id="9" name="Rectangle 62"/>
+          <p:cNvPr id="152" name="Rectangle 62"/>
           <p:cNvSpPr/>
           <p:nvPr/>
         </p:nvSpPr>
         <p:spPr>
           <a:xfrm rot="16200000">
-            <a:off x="1683963" y="2868687"/>
+            <a:off x="1302963" y="2868687"/>
             <a:ext cx="1093635" cy="346760"/>
           </a:xfrm>
           <a:prstGeom prst="rect">
@@ -3629,15 +3688,15 @@
       </p:sp>
       <p:cxnSp>
         <p:nvCxnSpPr>
-          <p:cNvPr id="53" name="Elbow Connector 63"/>
+          <p:cNvPr id="153" name="Elbow Connector 63"/>
           <p:cNvCxnSpPr>
-            <a:stCxn id="71" idx="3"/>
+            <a:stCxn id="158" idx="3"/>
           </p:cNvCxnSpPr>
           <p:nvPr/>
         </p:nvCxnSpPr>
         <p:spPr>
           <a:xfrm flipV="1">
-            <a:off x="6477000" y="3194131"/>
+            <a:off x="6096000" y="3194131"/>
             <a:ext cx="95385" cy="416514"/>
           </a:xfrm>
           <a:prstGeom prst="bentConnector2">
@@ -3670,15 +3729,15 @@
       </p:cxnSp>
       <p:cxnSp>
         <p:nvCxnSpPr>
-          <p:cNvPr id="107" name="Elbow Connector 106"/>
+          <p:cNvPr id="154" name="Elbow Connector 153"/>
           <p:cNvCxnSpPr>
-            <a:stCxn id="9" idx="1"/>
+            <a:stCxn id="152" idx="1"/>
           </p:cNvCxnSpPr>
           <p:nvPr/>
         </p:nvCxnSpPr>
         <p:spPr>
           <a:xfrm rot="5400000" flipH="1" flipV="1">
-            <a:off x="4360065" y="1080909"/>
+            <a:off x="3979065" y="1080909"/>
             <a:ext cx="378691" cy="4637261"/>
           </a:xfrm>
           <a:prstGeom prst="bentConnector4">
@@ -3714,13 +3773,13 @@
       </p:cxnSp>
       <p:sp>
         <p:nvSpPr>
-          <p:cNvPr id="119" name="Rectangle 62"/>
+          <p:cNvPr id="155" name="Rectangle 62"/>
           <p:cNvSpPr/>
           <p:nvPr/>
         </p:nvSpPr>
         <p:spPr>
           <a:xfrm rot="16200000">
-            <a:off x="956202" y="2861202"/>
+            <a:off x="575202" y="2861202"/>
             <a:ext cx="1093635" cy="346760"/>
           </a:xfrm>
           <a:prstGeom prst="rect">
@@ -3784,13 +3843,13 @@
       </p:sp>
       <p:sp>
         <p:nvSpPr>
-          <p:cNvPr id="120" name="Isosceles Triangle 102"/>
+          <p:cNvPr id="156" name="Isosceles Triangle 102"/>
           <p:cNvSpPr/>
           <p:nvPr/>
         </p:nvSpPr>
         <p:spPr>
           <a:xfrm rot="16200000">
-            <a:off x="1626910" y="2952291"/>
+            <a:off x="1245910" y="2952291"/>
             <a:ext cx="270504" cy="175523"/>
           </a:xfrm>
           <a:prstGeom prst="triangle">
@@ -3831,16 +3890,16 @@
       </p:sp>
       <p:cxnSp>
         <p:nvCxnSpPr>
-          <p:cNvPr id="58" name="Straight Arrow Connector 57"/>
+          <p:cNvPr id="157" name="Straight Arrow Connector 156"/>
           <p:cNvCxnSpPr>
-            <a:stCxn id="42" idx="3"/>
-            <a:endCxn id="2" idx="1"/>
+            <a:stCxn id="160" idx="3"/>
+            <a:endCxn id="151" idx="1"/>
           </p:cNvCxnSpPr>
           <p:nvPr/>
         </p:nvCxnSpPr>
         <p:spPr>
           <a:xfrm>
-            <a:off x="2656370" y="3326536"/>
+            <a:off x="2275370" y="3326536"/>
             <a:ext cx="220810" cy="5284"/>
           </a:xfrm>
           <a:prstGeom prst="straightConnector1">
@@ -3872,13 +3931,13 @@
       </p:cxnSp>
       <p:sp>
         <p:nvSpPr>
-          <p:cNvPr id="71" name="Isosceles Triangle 102"/>
+          <p:cNvPr id="158" name="Isosceles Triangle 102"/>
           <p:cNvSpPr/>
           <p:nvPr/>
         </p:nvSpPr>
         <p:spPr>
           <a:xfrm rot="5400000" flipV="1">
-            <a:off x="6253986" y="3522883"/>
+            <a:off x="5872986" y="3522883"/>
             <a:ext cx="270504" cy="175523"/>
           </a:xfrm>
           <a:prstGeom prst="triangle">
@@ -3923,58 +3982,15 @@
       </p:sp>
       <p:cxnSp>
         <p:nvCxnSpPr>
-          <p:cNvPr id="75" name="Elbow Connector 122"/>
-          <p:cNvCxnSpPr/>
-          <p:nvPr/>
-        </p:nvCxnSpPr>
-        <p:spPr>
-          <a:xfrm>
-            <a:off x="910091" y="3040053"/>
-            <a:ext cx="419548" cy="2860"/>
-          </a:xfrm>
-          <a:prstGeom prst="bentConnector3">
-            <a:avLst>
-              <a:gd name="adj1" fmla="val 50000"/>
-            </a:avLst>
-          </a:prstGeom>
-          <a:ln w="19050">
-            <a:solidFill>
-              <a:schemeClr val="bg1">
-                <a:lumMod val="75000"/>
-              </a:schemeClr>
-            </a:solidFill>
-            <a:prstDash val="sysDot"/>
-            <a:headEnd type="none" w="med" len="med"/>
-            <a:tailEnd type="arrow" w="med" len="med"/>
-          </a:ln>
-          <a:effectLst/>
-        </p:spPr>
-        <p:style>
-          <a:lnRef idx="1">
-            <a:schemeClr val="accent2"/>
-          </a:lnRef>
-          <a:fillRef idx="2">
-            <a:schemeClr val="accent2"/>
-          </a:fillRef>
-          <a:effectRef idx="1">
-            <a:schemeClr val="accent2"/>
-          </a:effectRef>
-          <a:fontRef idx="minor">
-            <a:schemeClr val="dk1"/>
-          </a:fontRef>
-        </p:style>
-      </p:cxnSp>
-      <p:cxnSp>
-        <p:nvCxnSpPr>
-          <p:cNvPr id="21" name="Straight Connector 20"/>
+          <p:cNvPr id="159" name="Straight Connector 158"/>
           <p:cNvCxnSpPr>
-            <a:stCxn id="120" idx="3"/>
+            <a:stCxn id="156" idx="3"/>
           </p:cNvCxnSpPr>
           <p:nvPr/>
         </p:nvCxnSpPr>
         <p:spPr>
           <a:xfrm flipV="1">
-            <a:off x="1849924" y="3040052"/>
+            <a:off x="1468924" y="3040052"/>
             <a:ext cx="216105" cy="1"/>
           </a:xfrm>
           <a:prstGeom prst="line">
@@ -4007,13 +4023,13 @@
       </p:cxnSp>
       <p:sp>
         <p:nvSpPr>
-          <p:cNvPr id="42" name="Flowchart: Decision 96"/>
+          <p:cNvPr id="160" name="Flowchart: Decision 96"/>
           <p:cNvSpPr/>
           <p:nvPr/>
         </p:nvSpPr>
         <p:spPr>
           <a:xfrm>
-            <a:off x="2420322" y="3239846"/>
+            <a:off x="2039322" y="3239846"/>
             <a:ext cx="236048" cy="173380"/>
           </a:xfrm>
           <a:prstGeom prst="flowChartDecision">
@@ -4052,13 +4068,13 @@
       </p:sp>
       <p:sp>
         <p:nvSpPr>
-          <p:cNvPr id="46" name="Rectangle 8"/>
+          <p:cNvPr id="161" name="Rectangle 8"/>
           <p:cNvSpPr/>
           <p:nvPr/>
         </p:nvSpPr>
         <p:spPr>
           <a:xfrm>
-            <a:off x="2879490" y="2627420"/>
+            <a:off x="2498490" y="2627420"/>
             <a:ext cx="1093635" cy="346760"/>
           </a:xfrm>
           <a:prstGeom prst="rect">
@@ -4096,7 +4112,7 @@
                   <a:srgbClr val="7030A0"/>
                 </a:solidFill>
               </a:rPr>
-              <a:t>AddressBook</a:t>
+              <a:t>TaskManager</a:t>
             </a:r>
             <a:endParaRPr lang="en-SG" sz="1050" dirty="0">
               <a:solidFill>
@@ -4108,16 +4124,16 @@
       </p:sp>
       <p:cxnSp>
         <p:nvCxnSpPr>
-          <p:cNvPr id="47" name="Straight Arrow Connector 46"/>
+          <p:cNvPr id="162" name="Straight Arrow Connector 161"/>
           <p:cNvCxnSpPr>
-            <a:stCxn id="48" idx="3"/>
-            <a:endCxn id="46" idx="1"/>
+            <a:stCxn id="163" idx="3"/>
+            <a:endCxn id="161" idx="1"/>
           </p:cNvCxnSpPr>
           <p:nvPr/>
         </p:nvCxnSpPr>
         <p:spPr>
           <a:xfrm>
-            <a:off x="2658680" y="2795516"/>
+            <a:off x="2277680" y="2795516"/>
             <a:ext cx="220810" cy="5284"/>
           </a:xfrm>
           <a:prstGeom prst="straightConnector1">
@@ -4149,13 +4165,13 @@
       </p:cxnSp>
       <p:sp>
         <p:nvSpPr>
-          <p:cNvPr id="48" name="Flowchart: Decision 96"/>
+          <p:cNvPr id="163" name="Flowchart: Decision 96"/>
           <p:cNvSpPr/>
           <p:nvPr/>
         </p:nvSpPr>
         <p:spPr>
           <a:xfrm>
-            <a:off x="2422632" y="2708826"/>
+            <a:off x="2041632" y="2708826"/>
             <a:ext cx="236048" cy="173380"/>
           </a:xfrm>
           <a:prstGeom prst="flowChartDecision">
@@ -4194,13 +4210,13 @@
       </p:sp>
       <p:sp>
         <p:nvSpPr>
-          <p:cNvPr id="49" name="Rectangle 8"/>
+          <p:cNvPr id="164" name="Rectangle 8"/>
           <p:cNvSpPr/>
           <p:nvPr/>
         </p:nvSpPr>
         <p:spPr>
           <a:xfrm>
-            <a:off x="4487017" y="2847371"/>
+            <a:off x="4106017" y="2847371"/>
             <a:ext cx="1156969" cy="346760"/>
           </a:xfrm>
           <a:prstGeom prst="rect">
@@ -4238,7 +4254,7 @@
                   <a:srgbClr val="7030A0"/>
                 </a:solidFill>
               </a:rPr>
-              <a:t>UniquePersonList</a:t>
+              <a:t>UniqueTaskList</a:t>
             </a:r>
             <a:endParaRPr lang="en-SG" sz="1050" dirty="0">
               <a:solidFill>
@@ -4250,13 +4266,13 @@
       </p:sp>
       <p:sp>
         <p:nvSpPr>
-          <p:cNvPr id="51" name="Flowchart: Decision 96"/>
+          <p:cNvPr id="165" name="Flowchart: Decision 96"/>
           <p:cNvSpPr/>
           <p:nvPr/>
         </p:nvSpPr>
         <p:spPr>
           <a:xfrm>
-            <a:off x="3984303" y="2673991"/>
+            <a:off x="3603303" y="2673991"/>
             <a:ext cx="236048" cy="173380"/>
           </a:xfrm>
           <a:prstGeom prst="flowChartDecision">
@@ -4297,16 +4313,16 @@
       </p:sp>
       <p:cxnSp>
         <p:nvCxnSpPr>
-          <p:cNvPr id="30" name="Elbow Connector 29"/>
+          <p:cNvPr id="166" name="Elbow Connector 165"/>
           <p:cNvCxnSpPr>
-            <a:stCxn id="51" idx="3"/>
-            <a:endCxn id="49" idx="1"/>
+            <a:stCxn id="165" idx="3"/>
+            <a:endCxn id="164" idx="1"/>
           </p:cNvCxnSpPr>
           <p:nvPr/>
         </p:nvCxnSpPr>
         <p:spPr>
           <a:xfrm>
-            <a:off x="4220351" y="2760681"/>
+            <a:off x="3839351" y="2760681"/>
             <a:ext cx="266666" cy="260070"/>
           </a:xfrm>
           <a:prstGeom prst="bentConnector3">
@@ -4338,13 +4354,13 @@
       </p:cxnSp>
       <p:sp>
         <p:nvSpPr>
-          <p:cNvPr id="57" name="Rectangle 8"/>
+          <p:cNvPr id="167" name="Rectangle 8"/>
           <p:cNvSpPr/>
           <p:nvPr/>
         </p:nvSpPr>
         <p:spPr>
           <a:xfrm>
-            <a:off x="4477328" y="2280569"/>
+            <a:off x="4096328" y="2280569"/>
             <a:ext cx="1156969" cy="346760"/>
           </a:xfrm>
           <a:prstGeom prst="rect">
@@ -4394,16 +4410,16 @@
       </p:sp>
       <p:cxnSp>
         <p:nvCxnSpPr>
-          <p:cNvPr id="59" name="Elbow Connector 58"/>
+          <p:cNvPr id="168" name="Elbow Connector 167"/>
           <p:cNvCxnSpPr>
-            <a:stCxn id="51" idx="3"/>
-            <a:endCxn id="57" idx="1"/>
+            <a:stCxn id="165" idx="3"/>
+            <a:endCxn id="167" idx="1"/>
           </p:cNvCxnSpPr>
           <p:nvPr/>
         </p:nvCxnSpPr>
         <p:spPr>
           <a:xfrm flipV="1">
-            <a:off x="4220351" y="2453949"/>
+            <a:off x="3839351" y="2453949"/>
             <a:ext cx="256977" cy="306732"/>
           </a:xfrm>
           <a:prstGeom prst="bentConnector3">
@@ -4437,13 +4453,13 @@
       </p:cxnSp>
       <p:sp>
         <p:nvSpPr>
-          <p:cNvPr id="62" name="Rectangle 8"/>
+          <p:cNvPr id="169" name="Rectangle 8"/>
           <p:cNvSpPr/>
           <p:nvPr/>
         </p:nvSpPr>
         <p:spPr>
           <a:xfrm>
-            <a:off x="6313677" y="2858066"/>
+            <a:off x="5932677" y="2858066"/>
             <a:ext cx="708186" cy="346760"/>
           </a:xfrm>
           <a:prstGeom prst="rect">
@@ -4481,7 +4497,7 @@
                   <a:srgbClr val="7030A0"/>
                 </a:solidFill>
               </a:rPr>
-              <a:t>Person</a:t>
+              <a:t>Task</a:t>
             </a:r>
             <a:endParaRPr lang="en-SG" sz="1050" dirty="0">
               <a:solidFill>
@@ -4493,13 +4509,13 @@
       </p:sp>
       <p:sp>
         <p:nvSpPr>
-          <p:cNvPr id="63" name="Flowchart: Decision 96"/>
+          <p:cNvPr id="170" name="Flowchart: Decision 96"/>
           <p:cNvSpPr/>
           <p:nvPr/>
         </p:nvSpPr>
         <p:spPr>
           <a:xfrm>
-            <a:off x="5643227" y="2943979"/>
+            <a:off x="5262227" y="2943979"/>
             <a:ext cx="236048" cy="173380"/>
           </a:xfrm>
           <a:prstGeom prst="flowChartDecision">
@@ -4538,16 +4554,16 @@
       </p:sp>
       <p:cxnSp>
         <p:nvCxnSpPr>
-          <p:cNvPr id="64" name="Elbow Connector 63"/>
+          <p:cNvPr id="171" name="Elbow Connector 170"/>
           <p:cNvCxnSpPr>
-            <a:stCxn id="63" idx="3"/>
-            <a:endCxn id="62" idx="1"/>
+            <a:stCxn id="170" idx="3"/>
+            <a:endCxn id="169" idx="1"/>
           </p:cNvCxnSpPr>
           <p:nvPr/>
         </p:nvCxnSpPr>
         <p:spPr>
           <a:xfrm>
-            <a:off x="5879275" y="3030669"/>
+            <a:off x="5498275" y="3030669"/>
             <a:ext cx="434402" cy="777"/>
           </a:xfrm>
           <a:prstGeom prst="bentConnector3">
@@ -4579,13 +4595,13 @@
       </p:cxnSp>
       <p:sp>
         <p:nvSpPr>
-          <p:cNvPr id="67" name="Rectangle 8"/>
+          <p:cNvPr id="172" name="Rectangle 8"/>
           <p:cNvSpPr/>
           <p:nvPr/>
         </p:nvSpPr>
         <p:spPr>
           <a:xfrm>
-            <a:off x="5336105" y="1809332"/>
+            <a:off x="4955105" y="1809332"/>
             <a:ext cx="483700" cy="346760"/>
           </a:xfrm>
           <a:prstGeom prst="rect">
@@ -4635,13 +4651,13 @@
       </p:sp>
       <p:sp>
         <p:nvSpPr>
-          <p:cNvPr id="68" name="Flowchart: Decision 96"/>
+          <p:cNvPr id="173" name="Flowchart: Decision 96"/>
           <p:cNvSpPr/>
           <p:nvPr/>
         </p:nvSpPr>
         <p:spPr>
           <a:xfrm rot="16200000">
-            <a:off x="4921666" y="2066540"/>
+            <a:off x="4540666" y="2066540"/>
             <a:ext cx="236048" cy="173380"/>
           </a:xfrm>
           <a:prstGeom prst="flowChartDecision">
@@ -4680,16 +4696,16 @@
       </p:sp>
       <p:cxnSp>
         <p:nvCxnSpPr>
-          <p:cNvPr id="69" name="Elbow Connector 68"/>
+          <p:cNvPr id="174" name="Elbow Connector 173"/>
           <p:cNvCxnSpPr>
-            <a:stCxn id="68" idx="3"/>
-            <a:endCxn id="67" idx="1"/>
+            <a:stCxn id="173" idx="3"/>
+            <a:endCxn id="172" idx="1"/>
           </p:cNvCxnSpPr>
           <p:nvPr/>
         </p:nvCxnSpPr>
         <p:spPr>
           <a:xfrm rot="5400000" flipH="1" flipV="1">
-            <a:off x="5161650" y="1860752"/>
+            <a:off x="4780650" y="1860752"/>
             <a:ext cx="52494" cy="296415"/>
           </a:xfrm>
           <a:prstGeom prst="bentConnector2">
@@ -4721,13 +4737,13 @@
       </p:cxnSp>
       <p:sp>
         <p:nvSpPr>
-          <p:cNvPr id="72" name="Rectangle 8"/>
+          <p:cNvPr id="175" name="Rectangle 8"/>
           <p:cNvSpPr/>
           <p:nvPr/>
         </p:nvSpPr>
         <p:spPr>
           <a:xfrm>
-            <a:off x="5128257" y="3429000"/>
+            <a:off x="4747257" y="3429000"/>
             <a:ext cx="1156969" cy="346760"/>
           </a:xfrm>
           <a:prstGeom prst="rect">
@@ -4780,7 +4796,7 @@
                   <a:srgbClr val="7030A0"/>
                 </a:solidFill>
               </a:rPr>
-              <a:t>ReadOnlyPerson</a:t>
+              <a:t>ReadOnlyTask</a:t>
             </a:r>
             <a:endParaRPr lang="en-SG" sz="1050" dirty="0">
               <a:solidFill>
@@ -4792,14 +4808,14 @@
       </p:sp>
       <p:sp>
         <p:nvSpPr>
-          <p:cNvPr id="76" name="Rectangle 8"/>
+          <p:cNvPr id="176" name="Rectangle 8"/>
           <p:cNvSpPr/>
           <p:nvPr/>
         </p:nvSpPr>
         <p:spPr>
           <a:xfrm>
-            <a:off x="7712397" y="2564238"/>
-            <a:ext cx="708186" cy="285783"/>
+            <a:off x="7277671" y="2265306"/>
+            <a:ext cx="977920" cy="281838"/>
           </a:xfrm>
           <a:prstGeom prst="rect">
             <a:avLst/>
@@ -4836,7 +4852,7 @@
                   <a:srgbClr val="7030A0"/>
                 </a:solidFill>
               </a:rPr>
-              <a:t>Name</a:t>
+              <a:t>Description</a:t>
             </a:r>
             <a:endParaRPr lang="en-SG" sz="1050" dirty="0">
               <a:solidFill>
@@ -4848,13 +4864,13 @@
       </p:sp>
       <p:sp>
         <p:nvSpPr>
-          <p:cNvPr id="78" name="Flowchart: Decision 96"/>
+          <p:cNvPr id="177" name="Flowchart: Decision 96"/>
           <p:cNvSpPr/>
           <p:nvPr/>
         </p:nvSpPr>
         <p:spPr>
           <a:xfrm>
-            <a:off x="7041947" y="2948201"/>
+            <a:off x="6660947" y="2948201"/>
             <a:ext cx="236048" cy="173380"/>
           </a:xfrm>
           <a:prstGeom prst="flowChartDecision">
@@ -4895,17 +4911,17 @@
       </p:sp>
       <p:cxnSp>
         <p:nvCxnSpPr>
-          <p:cNvPr id="79" name="Elbow Connector 78"/>
+          <p:cNvPr id="178" name="Elbow Connector 177"/>
           <p:cNvCxnSpPr>
-            <a:stCxn id="78" idx="3"/>
-            <a:endCxn id="76" idx="1"/>
+            <a:stCxn id="177" idx="3"/>
+            <a:endCxn id="176" idx="1"/>
           </p:cNvCxnSpPr>
           <p:nvPr/>
         </p:nvCxnSpPr>
         <p:spPr>
           <a:xfrm flipV="1">
-            <a:off x="7277995" y="2707130"/>
-            <a:ext cx="434402" cy="327761"/>
+            <a:off x="6896995" y="2406225"/>
+            <a:ext cx="380676" cy="628666"/>
           </a:xfrm>
           <a:prstGeom prst="bentConnector3">
             <a:avLst/>
@@ -4936,14 +4952,14 @@
       </p:cxnSp>
       <p:sp>
         <p:nvSpPr>
-          <p:cNvPr id="80" name="Rectangle 8"/>
+          <p:cNvPr id="179" name="Rectangle 8"/>
           <p:cNvSpPr/>
           <p:nvPr/>
         </p:nvSpPr>
         <p:spPr>
           <a:xfrm>
-            <a:off x="7712397" y="2887216"/>
-            <a:ext cx="708186" cy="285783"/>
+            <a:off x="7277670" y="2550012"/>
+            <a:ext cx="977920" cy="323111"/>
           </a:xfrm>
           <a:prstGeom prst="rect">
             <a:avLst/>
@@ -4980,7 +4996,7 @@
                   <a:srgbClr val="7030A0"/>
                 </a:solidFill>
               </a:rPr>
-              <a:t>Phone</a:t>
+              <a:t>Priority</a:t>
             </a:r>
             <a:endParaRPr lang="en-SG" sz="1050" dirty="0">
               <a:solidFill>
@@ -4992,17 +5008,17 @@
       </p:sp>
       <p:cxnSp>
         <p:nvCxnSpPr>
-          <p:cNvPr id="81" name="Elbow Connector 80"/>
+          <p:cNvPr id="180" name="Elbow Connector 179"/>
           <p:cNvCxnSpPr>
-            <a:stCxn id="78" idx="3"/>
-            <a:endCxn id="80" idx="1"/>
+            <a:stCxn id="177" idx="3"/>
+            <a:endCxn id="179" idx="1"/>
           </p:cNvCxnSpPr>
           <p:nvPr/>
         </p:nvCxnSpPr>
         <p:spPr>
           <a:xfrm flipV="1">
-            <a:off x="7277995" y="3030108"/>
-            <a:ext cx="434402" cy="4783"/>
+            <a:off x="6896995" y="2711568"/>
+            <a:ext cx="380675" cy="323323"/>
           </a:xfrm>
           <a:prstGeom prst="bentConnector3">
             <a:avLst/>
@@ -5033,14 +5049,14 @@
       </p:cxnSp>
       <p:sp>
         <p:nvSpPr>
-          <p:cNvPr id="83" name="Rectangle 8"/>
+          <p:cNvPr id="181" name="Rectangle 8"/>
           <p:cNvSpPr/>
           <p:nvPr/>
         </p:nvSpPr>
         <p:spPr>
           <a:xfrm>
-            <a:off x="7712397" y="3210194"/>
-            <a:ext cx="708186" cy="285783"/>
+            <a:off x="7278232" y="2875992"/>
+            <a:ext cx="977358" cy="301774"/>
           </a:xfrm>
           <a:prstGeom prst="rect">
             <a:avLst/>
@@ -5077,7 +5093,7 @@
                   <a:srgbClr val="7030A0"/>
                 </a:solidFill>
               </a:rPr>
-              <a:t>Email</a:t>
+              <a:t>ID</a:t>
             </a:r>
             <a:endParaRPr lang="en-SG" sz="1050" dirty="0">
               <a:solidFill>
@@ -5089,17 +5105,17 @@
       </p:sp>
       <p:cxnSp>
         <p:nvCxnSpPr>
-          <p:cNvPr id="84" name="Elbow Connector 83"/>
+          <p:cNvPr id="182" name="Elbow Connector 181"/>
           <p:cNvCxnSpPr>
-            <a:stCxn id="78" idx="3"/>
-            <a:endCxn id="83" idx="1"/>
+            <a:stCxn id="177" idx="3"/>
+            <a:endCxn id="181" idx="1"/>
           </p:cNvCxnSpPr>
           <p:nvPr/>
         </p:nvCxnSpPr>
         <p:spPr>
-          <a:xfrm>
-            <a:off x="7277995" y="3034891"/>
-            <a:ext cx="434402" cy="318195"/>
+          <a:xfrm flipV="1">
+            <a:off x="6896995" y="3026879"/>
+            <a:ext cx="381237" cy="8012"/>
           </a:xfrm>
           <a:prstGeom prst="bentConnector3">
             <a:avLst/>
@@ -5130,14 +5146,14 @@
       </p:cxnSp>
       <p:sp>
         <p:nvSpPr>
-          <p:cNvPr id="85" name="Rectangle 8"/>
+          <p:cNvPr id="183" name="Rectangle 8"/>
           <p:cNvSpPr/>
           <p:nvPr/>
         </p:nvSpPr>
         <p:spPr>
           <a:xfrm>
-            <a:off x="7712397" y="3533171"/>
-            <a:ext cx="708186" cy="285783"/>
+            <a:off x="7277449" y="3171033"/>
+            <a:ext cx="978141" cy="257967"/>
           </a:xfrm>
           <a:prstGeom prst="rect">
             <a:avLst/>
@@ -5169,12 +5185,12 @@
           <a:p>
             <a:pPr algn="ctr"/>
             <a:r>
-              <a:rPr lang="en-US" sz="1050" dirty="0" smtClean="0">
+              <a:rPr lang="en-US" sz="1050" dirty="0" err="1" smtClean="0">
                 <a:solidFill>
                   <a:srgbClr val="7030A0"/>
                 </a:solidFill>
               </a:rPr>
-              <a:t>Address</a:t>
+              <a:t>StartTime</a:t>
             </a:r>
             <a:endParaRPr lang="en-SG" sz="1050" dirty="0">
               <a:solidFill>
@@ -5186,17 +5202,17 @@
       </p:sp>
       <p:cxnSp>
         <p:nvCxnSpPr>
-          <p:cNvPr id="86" name="Elbow Connector 85"/>
+          <p:cNvPr id="184" name="Elbow Connector 183"/>
           <p:cNvCxnSpPr>
-            <a:stCxn id="78" idx="3"/>
-            <a:endCxn id="85" idx="1"/>
+            <a:stCxn id="177" idx="3"/>
+            <a:endCxn id="183" idx="1"/>
           </p:cNvCxnSpPr>
           <p:nvPr/>
         </p:nvCxnSpPr>
         <p:spPr>
           <a:xfrm>
-            <a:off x="7277995" y="3034891"/>
-            <a:ext cx="434402" cy="641172"/>
+            <a:off x="6896995" y="3034891"/>
+            <a:ext cx="380454" cy="265126"/>
           </a:xfrm>
           <a:prstGeom prst="bentConnector3">
             <a:avLst/>
@@ -5227,15 +5243,15 @@
       </p:cxnSp>
       <p:cxnSp>
         <p:nvCxnSpPr>
-          <p:cNvPr id="97" name="Elbow Connector 63"/>
+          <p:cNvPr id="185" name="Elbow Connector 63"/>
           <p:cNvCxnSpPr>
-            <a:stCxn id="99" idx="3"/>
+            <a:stCxn id="186" idx="3"/>
           </p:cNvCxnSpPr>
           <p:nvPr/>
         </p:nvCxnSpPr>
         <p:spPr>
           <a:xfrm rot="16200000" flipH="1">
-            <a:off x="3279321" y="2485431"/>
+            <a:off x="2898321" y="2485431"/>
             <a:ext cx="293825" cy="1"/>
           </a:xfrm>
           <a:prstGeom prst="bentConnector3">
@@ -5270,13 +5286,13 @@
       </p:cxnSp>
       <p:sp>
         <p:nvSpPr>
-          <p:cNvPr id="99" name="Isosceles Triangle 102"/>
+          <p:cNvPr id="186" name="Isosceles Triangle 102"/>
           <p:cNvSpPr/>
           <p:nvPr/>
         </p:nvSpPr>
         <p:spPr>
           <a:xfrm rot="10800000" flipV="1">
-            <a:off x="3290981" y="2162997"/>
+            <a:off x="2909981" y="2162997"/>
             <a:ext cx="270504" cy="175523"/>
           </a:xfrm>
           <a:prstGeom prst="triangle">
@@ -5318,13 +5334,13 @@
       </p:sp>
       <p:sp>
         <p:nvSpPr>
-          <p:cNvPr id="100" name="Rectangle 8"/>
+          <p:cNvPr id="187" name="Rectangle 8"/>
           <p:cNvSpPr/>
           <p:nvPr/>
         </p:nvSpPr>
         <p:spPr>
           <a:xfrm>
-            <a:off x="2660303" y="1806470"/>
+            <a:off x="2279303" y="1806470"/>
             <a:ext cx="1539926" cy="346760"/>
           </a:xfrm>
           <a:prstGeom prst="rect">
@@ -5377,7 +5393,7 @@
                   <a:srgbClr val="7030A0"/>
                 </a:solidFill>
               </a:rPr>
-              <a:t>ReadOnlyAddressBook</a:t>
+              <a:t>ReadOnlyTaskManager</a:t>
             </a:r>
             <a:endParaRPr lang="en-SG" sz="1050" dirty="0">
               <a:solidFill>
@@ -5389,13 +5405,13 @@
       </p:sp>
       <p:sp>
         <p:nvSpPr>
-          <p:cNvPr id="114" name="TextBox 113"/>
+          <p:cNvPr id="188" name="TextBox 187"/>
           <p:cNvSpPr txBox="1"/>
           <p:nvPr/>
         </p:nvSpPr>
         <p:spPr>
           <a:xfrm rot="16200000">
-            <a:off x="6527512" y="3586305"/>
+            <a:off x="6146512" y="3586305"/>
             <a:ext cx="881018" cy="261610"/>
           </a:xfrm>
           <a:prstGeom prst="rect">
@@ -5428,13 +5444,13 @@
       </p:sp>
       <p:sp>
         <p:nvSpPr>
-          <p:cNvPr id="122" name="Rectangle 8"/>
+          <p:cNvPr id="189" name="Rectangle 8"/>
           <p:cNvSpPr/>
           <p:nvPr/>
         </p:nvSpPr>
         <p:spPr>
           <a:xfrm>
-            <a:off x="2057400" y="4239491"/>
+            <a:off x="1676400" y="4239491"/>
             <a:ext cx="1775949" cy="346760"/>
           </a:xfrm>
           <a:prstGeom prst="rect">
@@ -5507,16 +5523,16 @@
       </p:sp>
       <p:cxnSp>
         <p:nvCxnSpPr>
-          <p:cNvPr id="124" name="Elbow Connector 122"/>
+          <p:cNvPr id="190" name="Elbow Connector 122"/>
           <p:cNvCxnSpPr>
-            <a:stCxn id="119" idx="1"/>
-            <a:endCxn id="122" idx="1"/>
+            <a:stCxn id="155" idx="1"/>
+            <a:endCxn id="189" idx="1"/>
           </p:cNvCxnSpPr>
           <p:nvPr/>
         </p:nvCxnSpPr>
         <p:spPr>
           <a:xfrm rot="16200000" flipH="1">
-            <a:off x="1364475" y="3719945"/>
+            <a:off x="983475" y="3719945"/>
             <a:ext cx="831471" cy="554380"/>
           </a:xfrm>
           <a:prstGeom prst="bentConnector2">
@@ -5549,16 +5565,16 @@
       </p:cxnSp>
       <p:cxnSp>
         <p:nvCxnSpPr>
-          <p:cNvPr id="50" name="Elbow Connector 49"/>
+          <p:cNvPr id="191" name="Elbow Connector 190"/>
           <p:cNvCxnSpPr>
-            <a:stCxn id="62" idx="0"/>
-            <a:endCxn id="57" idx="3"/>
+            <a:stCxn id="169" idx="0"/>
+            <a:endCxn id="167" idx="3"/>
           </p:cNvCxnSpPr>
           <p:nvPr/>
         </p:nvCxnSpPr>
         <p:spPr>
           <a:xfrm rot="16200000" flipV="1">
-            <a:off x="5948976" y="2139271"/>
+            <a:off x="5567976" y="2139271"/>
             <a:ext cx="404117" cy="1033473"/>
           </a:xfrm>
           <a:prstGeom prst="bentConnector2">
@@ -5590,13 +5606,13 @@
       </p:cxnSp>
       <p:sp>
         <p:nvSpPr>
-          <p:cNvPr id="11" name="TextBox 10"/>
+          <p:cNvPr id="192" name="TextBox 191"/>
           <p:cNvSpPr txBox="1"/>
           <p:nvPr/>
         </p:nvSpPr>
         <p:spPr>
           <a:xfrm>
-            <a:off x="4324972" y="2191228"/>
+            <a:off x="3943972" y="2191228"/>
             <a:ext cx="189257" cy="178683"/>
           </a:xfrm>
           <a:prstGeom prst="rect">
@@ -5629,13 +5645,13 @@
       </p:sp>
       <p:sp>
         <p:nvSpPr>
-          <p:cNvPr id="54" name="TextBox 53"/>
+          <p:cNvPr id="193" name="TextBox 192"/>
           <p:cNvSpPr txBox="1"/>
           <p:nvPr/>
         </p:nvSpPr>
         <p:spPr>
           <a:xfrm>
-            <a:off x="4324972" y="3058864"/>
+            <a:off x="3943972" y="3058864"/>
             <a:ext cx="189257" cy="178683"/>
           </a:xfrm>
           <a:prstGeom prst="rect">
@@ -5668,13 +5684,13 @@
       </p:sp>
       <p:sp>
         <p:nvSpPr>
-          <p:cNvPr id="56" name="TextBox 55"/>
+          <p:cNvPr id="194" name="TextBox 193"/>
           <p:cNvSpPr txBox="1"/>
           <p:nvPr/>
         </p:nvSpPr>
         <p:spPr>
           <a:xfrm>
-            <a:off x="5689761" y="2495413"/>
+            <a:off x="5308761" y="2495413"/>
             <a:ext cx="189257" cy="178683"/>
           </a:xfrm>
           <a:prstGeom prst="rect">
@@ -5707,13 +5723,13 @@
       </p:sp>
       <p:sp>
         <p:nvSpPr>
-          <p:cNvPr id="60" name="TextBox 59"/>
+          <p:cNvPr id="195" name="TextBox 194"/>
           <p:cNvSpPr txBox="1"/>
           <p:nvPr/>
         </p:nvSpPr>
         <p:spPr>
           <a:xfrm>
-            <a:off x="5163172" y="1778919"/>
+            <a:off x="4782172" y="1778919"/>
             <a:ext cx="189257" cy="178683"/>
           </a:xfrm>
           <a:prstGeom prst="rect">
@@ -5746,13 +5762,13 @@
       </p:sp>
       <p:sp>
         <p:nvSpPr>
-          <p:cNvPr id="61" name="TextBox 60"/>
+          <p:cNvPr id="196" name="TextBox 195"/>
           <p:cNvSpPr txBox="1"/>
           <p:nvPr/>
         </p:nvSpPr>
         <p:spPr>
           <a:xfrm>
-            <a:off x="6135256" y="3097917"/>
+            <a:off x="5754256" y="3097917"/>
             <a:ext cx="189257" cy="178683"/>
           </a:xfrm>
           <a:prstGeom prst="rect">
@@ -5785,13 +5801,13 @@
       </p:sp>
       <p:sp>
         <p:nvSpPr>
-          <p:cNvPr id="65" name="TextBox 64"/>
+          <p:cNvPr id="197" name="TextBox 196"/>
           <p:cNvSpPr txBox="1"/>
           <p:nvPr/>
         </p:nvSpPr>
         <p:spPr>
           <a:xfrm>
-            <a:off x="2687923" y="2564238"/>
+            <a:off x="2306923" y="2564238"/>
             <a:ext cx="189257" cy="178683"/>
           </a:xfrm>
           <a:prstGeom prst="rect">
@@ -5824,13 +5840,13 @@
       </p:sp>
       <p:sp>
         <p:nvSpPr>
-          <p:cNvPr id="66" name="TextBox 65"/>
+          <p:cNvPr id="198" name="TextBox 197"/>
           <p:cNvSpPr txBox="1"/>
           <p:nvPr/>
         </p:nvSpPr>
         <p:spPr>
           <a:xfrm>
-            <a:off x="2656370" y="3386050"/>
+            <a:off x="2275370" y="3386050"/>
             <a:ext cx="189257" cy="178683"/>
           </a:xfrm>
           <a:prstGeom prst="rect">
@@ -5863,13 +5879,13 @@
       </p:sp>
       <p:sp>
         <p:nvSpPr>
-          <p:cNvPr id="70" name="TextBox 69"/>
+          <p:cNvPr id="199" name="TextBox 198"/>
           <p:cNvSpPr txBox="1"/>
           <p:nvPr/>
         </p:nvSpPr>
         <p:spPr>
           <a:xfrm>
-            <a:off x="6667770" y="3210194"/>
+            <a:off x="6286770" y="3210194"/>
             <a:ext cx="189257" cy="178683"/>
           </a:xfrm>
           <a:prstGeom prst="rect">
@@ -5900,6 +5916,480 @@
           </a:p>
         </p:txBody>
       </p:sp>
+      <p:sp>
+        <p:nvSpPr>
+          <p:cNvPr id="200" name="Rectangle 8"/>
+          <p:cNvSpPr/>
+          <p:nvPr/>
+        </p:nvSpPr>
+        <p:spPr>
+          <a:xfrm>
+            <a:off x="7282983" y="3443355"/>
+            <a:ext cx="972607" cy="280685"/>
+          </a:xfrm>
+          <a:prstGeom prst="rect">
+            <a:avLst/>
+          </a:prstGeom>
+          <a:ln w="19050">
+            <a:solidFill>
+              <a:srgbClr val="7030A0"/>
+            </a:solidFill>
+          </a:ln>
+          <a:effectLst/>
+        </p:spPr>
+        <p:style>
+          <a:lnRef idx="1">
+            <a:schemeClr val="accent4"/>
+          </a:lnRef>
+          <a:fillRef idx="2">
+            <a:schemeClr val="accent4"/>
+          </a:fillRef>
+          <a:effectRef idx="1">
+            <a:schemeClr val="accent4"/>
+          </a:effectRef>
+          <a:fontRef idx="minor">
+            <a:schemeClr val="dk1"/>
+          </a:fontRef>
+        </p:style>
+        <p:txBody>
+          <a:bodyPr rtlCol="0" anchor="ctr"/>
+          <a:lstStyle/>
+          <a:p>
+            <a:pPr algn="ctr"/>
+            <a:r>
+              <a:rPr lang="en-US" sz="1050" dirty="0" err="1" smtClean="0">
+                <a:solidFill>
+                  <a:srgbClr val="7030A0"/>
+                </a:solidFill>
+              </a:rPr>
+              <a:t>EndTime</a:t>
+            </a:r>
+            <a:endParaRPr lang="en-SG" sz="1050" dirty="0">
+              <a:solidFill>
+                <a:srgbClr val="7030A0"/>
+              </a:solidFill>
+            </a:endParaRPr>
+          </a:p>
+        </p:txBody>
+      </p:sp>
+      <p:sp>
+        <p:nvSpPr>
+          <p:cNvPr id="201" name="Rectangle 8"/>
+          <p:cNvSpPr/>
+          <p:nvPr/>
+        </p:nvSpPr>
+        <p:spPr>
+          <a:xfrm>
+            <a:off x="7282983" y="3741648"/>
+            <a:ext cx="972607" cy="285300"/>
+          </a:xfrm>
+          <a:prstGeom prst="rect">
+            <a:avLst/>
+          </a:prstGeom>
+          <a:ln w="19050">
+            <a:solidFill>
+              <a:srgbClr val="7030A0"/>
+            </a:solidFill>
+          </a:ln>
+          <a:effectLst/>
+        </p:spPr>
+        <p:style>
+          <a:lnRef idx="1">
+            <a:schemeClr val="accent4"/>
+          </a:lnRef>
+          <a:fillRef idx="2">
+            <a:schemeClr val="accent4"/>
+          </a:fillRef>
+          <a:effectRef idx="1">
+            <a:schemeClr val="accent4"/>
+          </a:effectRef>
+          <a:fontRef idx="minor">
+            <a:schemeClr val="dk1"/>
+          </a:fontRef>
+        </p:style>
+        <p:txBody>
+          <a:bodyPr rtlCol="0" anchor="ctr"/>
+          <a:lstStyle/>
+          <a:p>
+            <a:pPr algn="ctr"/>
+            <a:r>
+              <a:rPr lang="en-US" sz="1050" dirty="0" smtClean="0">
+                <a:solidFill>
+                  <a:srgbClr val="7030A0"/>
+                </a:solidFill>
+              </a:rPr>
+              <a:t>Status</a:t>
+            </a:r>
+            <a:endParaRPr lang="en-SG" sz="1050" dirty="0">
+              <a:solidFill>
+                <a:srgbClr val="7030A0"/>
+              </a:solidFill>
+            </a:endParaRPr>
+          </a:p>
+        </p:txBody>
+      </p:sp>
+      <p:sp>
+        <p:nvSpPr>
+          <p:cNvPr id="202" name="Rectangle 8"/>
+          <p:cNvSpPr/>
+          <p:nvPr/>
+        </p:nvSpPr>
+        <p:spPr>
+          <a:xfrm>
+            <a:off x="7280476" y="4044556"/>
+            <a:ext cx="975114" cy="298844"/>
+          </a:xfrm>
+          <a:prstGeom prst="rect">
+            <a:avLst/>
+          </a:prstGeom>
+          <a:ln w="19050">
+            <a:solidFill>
+              <a:srgbClr val="7030A0"/>
+            </a:solidFill>
+          </a:ln>
+          <a:effectLst/>
+        </p:spPr>
+        <p:style>
+          <a:lnRef idx="1">
+            <a:schemeClr val="accent4"/>
+          </a:lnRef>
+          <a:fillRef idx="2">
+            <a:schemeClr val="accent4"/>
+          </a:fillRef>
+          <a:effectRef idx="1">
+            <a:schemeClr val="accent4"/>
+          </a:effectRef>
+          <a:fontRef idx="minor">
+            <a:schemeClr val="dk1"/>
+          </a:fontRef>
+        </p:style>
+        <p:txBody>
+          <a:bodyPr rtlCol="0" anchor="ctr"/>
+          <a:lstStyle/>
+          <a:p>
+            <a:pPr algn="ctr"/>
+            <a:r>
+              <a:rPr lang="en-US" sz="1050" dirty="0" err="1" smtClean="0">
+                <a:solidFill>
+                  <a:srgbClr val="7030A0"/>
+                </a:solidFill>
+              </a:rPr>
+              <a:t>RecurPeriod</a:t>
+            </a:r>
+            <a:endParaRPr lang="en-SG" sz="1050" dirty="0">
+              <a:solidFill>
+                <a:srgbClr val="7030A0"/>
+              </a:solidFill>
+            </a:endParaRPr>
+          </a:p>
+        </p:txBody>
+      </p:sp>
+      <p:sp>
+        <p:nvSpPr>
+          <p:cNvPr id="203" name="Rectangle 8"/>
+          <p:cNvSpPr/>
+          <p:nvPr/>
+        </p:nvSpPr>
+        <p:spPr>
+          <a:xfrm>
+            <a:off x="7273785" y="4356338"/>
+            <a:ext cx="981805" cy="286165"/>
+          </a:xfrm>
+          <a:prstGeom prst="rect">
+            <a:avLst/>
+          </a:prstGeom>
+          <a:ln w="19050">
+            <a:solidFill>
+              <a:srgbClr val="7030A0"/>
+            </a:solidFill>
+          </a:ln>
+          <a:effectLst/>
+        </p:spPr>
+        <p:style>
+          <a:lnRef idx="1">
+            <a:schemeClr val="accent4"/>
+          </a:lnRef>
+          <a:fillRef idx="2">
+            <a:schemeClr val="accent4"/>
+          </a:fillRef>
+          <a:effectRef idx="1">
+            <a:schemeClr val="accent4"/>
+          </a:effectRef>
+          <a:fontRef idx="minor">
+            <a:schemeClr val="dk1"/>
+          </a:fontRef>
+        </p:style>
+        <p:txBody>
+          <a:bodyPr rtlCol="0" anchor="ctr"/>
+          <a:lstStyle/>
+          <a:p>
+            <a:pPr algn="ctr"/>
+            <a:r>
+              <a:rPr lang="en-US" sz="1050" dirty="0" err="1" smtClean="0">
+                <a:solidFill>
+                  <a:srgbClr val="7030A0"/>
+                </a:solidFill>
+              </a:rPr>
+              <a:t>RecurEndDate</a:t>
+            </a:r>
+            <a:endParaRPr lang="en-SG" sz="1050" dirty="0">
+              <a:solidFill>
+                <a:srgbClr val="7030A0"/>
+              </a:solidFill>
+            </a:endParaRPr>
+          </a:p>
+        </p:txBody>
+      </p:sp>
+      <p:sp>
+        <p:nvSpPr>
+          <p:cNvPr id="204" name="Rectangle 8"/>
+          <p:cNvSpPr/>
+          <p:nvPr/>
+        </p:nvSpPr>
+        <p:spPr>
+          <a:xfrm>
+            <a:off x="7277671" y="1969085"/>
+            <a:ext cx="977920" cy="294113"/>
+          </a:xfrm>
+          <a:prstGeom prst="rect">
+            <a:avLst/>
+          </a:prstGeom>
+          <a:ln w="19050">
+            <a:solidFill>
+              <a:srgbClr val="7030A0"/>
+            </a:solidFill>
+          </a:ln>
+          <a:effectLst/>
+        </p:spPr>
+        <p:style>
+          <a:lnRef idx="1">
+            <a:schemeClr val="accent4"/>
+          </a:lnRef>
+          <a:fillRef idx="2">
+            <a:schemeClr val="accent4"/>
+          </a:fillRef>
+          <a:effectRef idx="1">
+            <a:schemeClr val="accent4"/>
+          </a:effectRef>
+          <a:fontRef idx="minor">
+            <a:schemeClr val="dk1"/>
+          </a:fontRef>
+        </p:style>
+        <p:txBody>
+          <a:bodyPr rtlCol="0" anchor="ctr"/>
+          <a:lstStyle/>
+          <a:p>
+            <a:pPr algn="ctr"/>
+            <a:r>
+              <a:rPr lang="en-US" sz="1050" dirty="0" smtClean="0">
+                <a:solidFill>
+                  <a:srgbClr val="7030A0"/>
+                </a:solidFill>
+              </a:rPr>
+              <a:t>Name</a:t>
+            </a:r>
+            <a:endParaRPr lang="en-SG" sz="1050" dirty="0">
+              <a:solidFill>
+                <a:srgbClr val="7030A0"/>
+              </a:solidFill>
+            </a:endParaRPr>
+          </a:p>
+        </p:txBody>
+      </p:sp>
+      <p:cxnSp>
+        <p:nvCxnSpPr>
+          <p:cNvPr id="205" name="Elbow Connector 204"/>
+          <p:cNvCxnSpPr>
+            <a:endCxn id="200" idx="1"/>
+          </p:cNvCxnSpPr>
+          <p:nvPr/>
+        </p:nvCxnSpPr>
+        <p:spPr>
+          <a:xfrm rot="16200000" flipH="1">
+            <a:off x="6914260" y="3214975"/>
+            <a:ext cx="541684" cy="195761"/>
+          </a:xfrm>
+          <a:prstGeom prst="bentConnector2">
+            <a:avLst/>
+          </a:prstGeom>
+          <a:ln w="19050">
+            <a:solidFill>
+              <a:srgbClr val="7030A0"/>
+            </a:solidFill>
+            <a:headEnd type="none" w="med" len="med"/>
+            <a:tailEnd type="arrow" w="med" len="med"/>
+          </a:ln>
+          <a:effectLst/>
+        </p:spPr>
+        <p:style>
+          <a:lnRef idx="1">
+            <a:schemeClr val="accent2"/>
+          </a:lnRef>
+          <a:fillRef idx="2">
+            <a:schemeClr val="accent2"/>
+          </a:fillRef>
+          <a:effectRef idx="1">
+            <a:schemeClr val="accent2"/>
+          </a:effectRef>
+          <a:fontRef idx="minor">
+            <a:schemeClr val="dk1"/>
+          </a:fontRef>
+        </p:style>
+      </p:cxnSp>
+      <p:cxnSp>
+        <p:nvCxnSpPr>
+          <p:cNvPr id="206" name="Elbow Connector 205"/>
+          <p:cNvCxnSpPr/>
+          <p:nvPr/>
+        </p:nvCxnSpPr>
+        <p:spPr>
+          <a:xfrm rot="16200000" flipH="1">
+            <a:off x="6914260" y="3540744"/>
+            <a:ext cx="541684" cy="195761"/>
+          </a:xfrm>
+          <a:prstGeom prst="bentConnector2">
+            <a:avLst/>
+          </a:prstGeom>
+          <a:ln w="19050">
+            <a:solidFill>
+              <a:srgbClr val="7030A0"/>
+            </a:solidFill>
+            <a:headEnd type="none" w="med" len="med"/>
+            <a:tailEnd type="arrow" w="med" len="med"/>
+          </a:ln>
+          <a:effectLst/>
+        </p:spPr>
+        <p:style>
+          <a:lnRef idx="1">
+            <a:schemeClr val="accent2"/>
+          </a:lnRef>
+          <a:fillRef idx="2">
+            <a:schemeClr val="accent2"/>
+          </a:fillRef>
+          <a:effectRef idx="1">
+            <a:schemeClr val="accent2"/>
+          </a:effectRef>
+          <a:fontRef idx="minor">
+            <a:schemeClr val="dk1"/>
+          </a:fontRef>
+        </p:style>
+      </p:cxnSp>
+      <p:cxnSp>
+        <p:nvCxnSpPr>
+          <p:cNvPr id="207" name="Elbow Connector 206"/>
+          <p:cNvCxnSpPr/>
+          <p:nvPr/>
+        </p:nvCxnSpPr>
+        <p:spPr>
+          <a:xfrm rot="16200000" flipH="1">
+            <a:off x="6914260" y="3826458"/>
+            <a:ext cx="541684" cy="195761"/>
+          </a:xfrm>
+          <a:prstGeom prst="bentConnector2">
+            <a:avLst/>
+          </a:prstGeom>
+          <a:ln w="19050">
+            <a:solidFill>
+              <a:srgbClr val="7030A0"/>
+            </a:solidFill>
+            <a:headEnd type="none" w="med" len="med"/>
+            <a:tailEnd type="arrow" w="med" len="med"/>
+          </a:ln>
+          <a:effectLst/>
+        </p:spPr>
+        <p:style>
+          <a:lnRef idx="1">
+            <a:schemeClr val="accent2"/>
+          </a:lnRef>
+          <a:fillRef idx="2">
+            <a:schemeClr val="accent2"/>
+          </a:fillRef>
+          <a:effectRef idx="1">
+            <a:schemeClr val="accent2"/>
+          </a:effectRef>
+          <a:fontRef idx="minor">
+            <a:schemeClr val="dk1"/>
+          </a:fontRef>
+        </p:style>
+      </p:cxnSp>
+      <p:cxnSp>
+        <p:nvCxnSpPr>
+          <p:cNvPr id="208" name="Elbow Connector 207"/>
+          <p:cNvCxnSpPr/>
+          <p:nvPr/>
+        </p:nvCxnSpPr>
+        <p:spPr>
+          <a:xfrm rot="16200000" flipH="1">
+            <a:off x="6914260" y="4091402"/>
+            <a:ext cx="541684" cy="195761"/>
+          </a:xfrm>
+          <a:prstGeom prst="bentConnector2">
+            <a:avLst/>
+          </a:prstGeom>
+          <a:ln w="19050">
+            <a:solidFill>
+              <a:srgbClr val="7030A0"/>
+            </a:solidFill>
+            <a:headEnd type="none" w="med" len="med"/>
+            <a:tailEnd type="arrow" w="med" len="med"/>
+          </a:ln>
+          <a:effectLst/>
+        </p:spPr>
+        <p:style>
+          <a:lnRef idx="1">
+            <a:schemeClr val="accent2"/>
+          </a:lnRef>
+          <a:fillRef idx="2">
+            <a:schemeClr val="accent2"/>
+          </a:fillRef>
+          <a:effectRef idx="1">
+            <a:schemeClr val="accent2"/>
+          </a:effectRef>
+          <a:fontRef idx="minor">
+            <a:schemeClr val="dk1"/>
+          </a:fontRef>
+        </p:style>
+      </p:cxnSp>
+      <p:cxnSp>
+        <p:nvCxnSpPr>
+          <p:cNvPr id="209" name="Elbow Connector 208"/>
+          <p:cNvCxnSpPr>
+            <a:endCxn id="204" idx="1"/>
+          </p:cNvCxnSpPr>
+          <p:nvPr/>
+        </p:nvCxnSpPr>
+        <p:spPr>
+          <a:xfrm rot="5400000" flipH="1" flipV="1">
+            <a:off x="6945860" y="2257506"/>
+            <a:ext cx="473175" cy="190448"/>
+          </a:xfrm>
+          <a:prstGeom prst="bentConnector2">
+            <a:avLst/>
+          </a:prstGeom>
+          <a:ln w="19050">
+            <a:solidFill>
+              <a:srgbClr val="7030A0"/>
+            </a:solidFill>
+            <a:headEnd type="none" w="med" len="med"/>
+            <a:tailEnd type="arrow" w="med" len="med"/>
+          </a:ln>
+          <a:effectLst/>
+        </p:spPr>
+        <p:style>
+          <a:lnRef idx="1">
+            <a:schemeClr val="accent2"/>
+          </a:lnRef>
+          <a:fillRef idx="2">
+            <a:schemeClr val="accent2"/>
+          </a:fillRef>
+          <a:effectRef idx="1">
+            <a:schemeClr val="accent2"/>
+          </a:effectRef>
+          <a:fontRef idx="minor">
+            <a:schemeClr val="dk1"/>
+          </a:fontRef>
+        </p:style>
+      </p:cxnSp>
     </p:spTree>
     <p:extLst>
       <p:ext uri="{BB962C8B-B14F-4D97-AF65-F5344CB8AC3E}">
